--- a/ppts/05-5 BST IntroductionQuiz11.pptx
+++ b/ppts/05-5 BST IntroductionQuiz11.pptx
@@ -211,7 +211,7 @@
           <a:p>
             <a:fld id="{648057B7-EFC7-4AC6-B479-CDD44EB7D654}" type="datetimeFigureOut">
               <a:rPr lang="ko-KR" altLang="en-US" smtClean="0"/>
-              <a:t>2021-05-11</a:t>
+              <a:t>2022. 11. 12.</a:t>
             </a:fld>
             <a:endParaRPr lang="ko-KR" altLang="en-US"/>
           </a:p>
@@ -538,21 +538,16 @@
           </a:lstStyle>
           <a:p>
             <a:r>
-              <a:rPr lang="ko-KR" altLang="en-US" dirty="0" smtClean="0"/>
+              <a:rPr lang="ko-KR" altLang="en-US" dirty="0"/>
               <a:t>마스터 제목 </a:t>
             </a:r>
-            <a:r>
-              <a:rPr lang="en-US" altLang="ko-KR" dirty="0" smtClean="0"/>
-              <a:t/>
-            </a:r>
             <a:br>
-              <a:rPr lang="en-US" altLang="ko-KR" dirty="0" smtClean="0"/>
+              <a:rPr lang="en-US" altLang="ko-KR" dirty="0"/>
             </a:br>
             <a:r>
-              <a:rPr lang="ko-KR" altLang="en-US" dirty="0" smtClean="0"/>
+              <a:rPr lang="ko-KR" altLang="en-US" dirty="0"/>
               <a:t>스타일 편집</a:t>
             </a:r>
-            <a:endParaRPr lang="ko-KR" altLang="en-US" dirty="0"/>
           </a:p>
         </p:txBody>
       </p:sp>
@@ -679,13 +674,8 @@
             <a:pPr lvl="2" eaLnBrk="1" latinLnBrk="0" hangingPunct="1"/>
             <a:r>
               <a:rPr lang="ko-KR" altLang="en-US" dirty="0"/>
-              <a:t>셋째 </a:t>
-            </a:r>
-            <a:r>
-              <a:rPr lang="ko-KR" altLang="en-US" dirty="0" smtClean="0"/>
-              <a:t>수준</a:t>
-            </a:r>
-            <a:endParaRPr lang="ko-KR" altLang="en-US" dirty="0"/>
+              <a:t>셋째 수준</a:t>
+            </a:r>
           </a:p>
         </p:txBody>
       </p:sp>
@@ -762,21 +752,16 @@
           </a:lstStyle>
           <a:p>
             <a:r>
-              <a:rPr lang="ko-KR" altLang="en-US" dirty="0" smtClean="0"/>
+              <a:rPr lang="ko-KR" altLang="en-US" dirty="0"/>
               <a:t>마스터 제목 </a:t>
             </a:r>
-            <a:r>
-              <a:rPr lang="en-US" altLang="ko-KR" dirty="0" smtClean="0"/>
-              <a:t/>
-            </a:r>
             <a:br>
-              <a:rPr lang="en-US" altLang="ko-KR" dirty="0" smtClean="0"/>
+              <a:rPr lang="en-US" altLang="ko-KR" dirty="0"/>
             </a:br>
             <a:r>
-              <a:rPr lang="ko-KR" altLang="en-US" dirty="0" smtClean="0"/>
+              <a:rPr lang="ko-KR" altLang="en-US" dirty="0"/>
               <a:t>스타일 편집</a:t>
             </a:r>
-            <a:endParaRPr lang="ko-KR" altLang="en-US" dirty="0"/>
           </a:p>
         </p:txBody>
       </p:sp>
@@ -903,13 +888,8 @@
             <a:pPr lvl="2" eaLnBrk="1" latinLnBrk="0" hangingPunct="1"/>
             <a:r>
               <a:rPr lang="ko-KR" altLang="en-US" dirty="0"/>
-              <a:t>셋째 </a:t>
-            </a:r>
-            <a:r>
-              <a:rPr lang="ko-KR" altLang="en-US" dirty="0" smtClean="0"/>
-              <a:t>수준</a:t>
-            </a:r>
-            <a:endParaRPr lang="ko-KR" altLang="en-US" dirty="0"/>
+              <a:t>셋째 수준</a:t>
+            </a:r>
           </a:p>
         </p:txBody>
       </p:sp>
@@ -1053,10 +1033,9 @@
           </a:lstStyle>
           <a:p>
             <a:r>
-              <a:rPr lang="ko-KR" altLang="en-US" dirty="0" smtClean="0"/>
+              <a:rPr lang="ko-KR" altLang="en-US" dirty="0"/>
               <a:t>마스터 제목 스타일 편집</a:t>
             </a:r>
-            <a:endParaRPr lang="ko-KR" altLang="en-US" dirty="0"/>
           </a:p>
         </p:txBody>
       </p:sp>
@@ -2041,10 +2020,10 @@
                 </a:solidFill>
                 <a:latin typeface="Century Gothic" panose="020B0502020202020204" pitchFamily="34" charset="0"/>
               </a:rPr>
-              <a:t>Prof. Youngsup Kim, </a:t>
-            </a:r>
-            <a:r>
-              <a:rPr lang="en-US" altLang="ko-KR" sz="1200" b="0" i="1" dirty="0" smtClean="0">
+              <a:t>Prof. Youngsup Kim, idebtor@gmail.com, CSEE Dept., Grace School Rm204,</a:t>
+            </a:r>
+            <a:r>
+              <a:rPr lang="en-US" altLang="ko-KR" sz="1200" b="0" i="1" baseline="0" dirty="0">
                 <a:solidFill>
                   <a:schemeClr val="tx1">
                     <a:lumMod val="50000"/>
@@ -2053,22 +2032,10 @@
                 </a:solidFill>
                 <a:latin typeface="Century Gothic" panose="020B0502020202020204" pitchFamily="34" charset="0"/>
               </a:rPr>
-              <a:t>idebtor@gmail.com, CSEE Dept., Grace School Rm204,</a:t>
-            </a:r>
-            <a:r>
-              <a:rPr lang="en-US" altLang="ko-KR" sz="1200" b="0" i="1" baseline="0" dirty="0" smtClean="0">
-                <a:solidFill>
-                  <a:schemeClr val="tx1">
-                    <a:lumMod val="50000"/>
-                    <a:lumOff val="50000"/>
-                  </a:schemeClr>
-                </a:solidFill>
-                <a:latin typeface="Century Gothic" panose="020B0502020202020204" pitchFamily="34" charset="0"/>
-              </a:rPr>
               <a:t> </a:t>
             </a:r>
             <a:r>
-              <a:rPr lang="en-US" altLang="ko-KR" sz="1200" b="0" i="1" dirty="0" smtClean="0">
+              <a:rPr lang="en-US" altLang="ko-KR" sz="1200" b="0" i="1" dirty="0">
                 <a:solidFill>
                   <a:schemeClr val="tx1">
                     <a:lumMod val="50000"/>
@@ -2512,12 +2479,12 @@
         </p:spPr>
         <p:txBody>
           <a:bodyPr>
-            <a:normAutofit/>
+            <a:normAutofit fontScale="92500" lnSpcReduction="20000"/>
           </a:bodyPr>
           <a:lstStyle/>
           <a:p>
             <a:r>
-              <a:rPr lang="en-US" altLang="ko-KR" sz="1800" dirty="0" smtClean="0">
+              <a:rPr lang="en-US" altLang="ko-KR" sz="1800" dirty="0">
                 <a:solidFill>
                   <a:schemeClr val="accent2">
                     <a:lumMod val="50000"/>
@@ -2525,29 +2492,7 @@
                 </a:solidFill>
                 <a:latin typeface="Century Gothic" panose="020B0502020202020204" pitchFamily="34" charset="0"/>
               </a:rPr>
-              <a:t>grow(node, k) - Insert </a:t>
-            </a:r>
-            <a:r>
-              <a:rPr lang="en-US" altLang="ko-KR" sz="1800" dirty="0">
-                <a:solidFill>
-                  <a:schemeClr val="accent2">
-                    <a:lumMod val="50000"/>
-                  </a:schemeClr>
-                </a:solidFill>
-                <a:latin typeface="Century Gothic" panose="020B0502020202020204" pitchFamily="34" charset="0"/>
-              </a:rPr>
-              <a:t>a node with </a:t>
-            </a:r>
-            <a:r>
-              <a:rPr lang="en-US" altLang="ko-KR" sz="1800" dirty="0" smtClean="0">
-                <a:solidFill>
-                  <a:schemeClr val="accent2">
-                    <a:lumMod val="50000"/>
-                  </a:schemeClr>
-                </a:solidFill>
-                <a:latin typeface="Century Gothic" panose="020B0502020202020204" pitchFamily="34" charset="0"/>
-              </a:rPr>
-              <a:t>k</a:t>
+              <a:t>grow(node, k) - Insert a node with k</a:t>
             </a:r>
             <a:endParaRPr lang="en-US" altLang="ko-KR" sz="1800" b="1" dirty="0">
               <a:solidFill>
@@ -2562,40 +2507,16 @@
               <a:buChar char="•"/>
             </a:pPr>
             <a:r>
-              <a:rPr lang="en-US" altLang="ko-KR" sz="1800" b="1" dirty="0" smtClean="0">
-                <a:latin typeface="Century Gothic" panose="020B0502020202020204" pitchFamily="34" charset="0"/>
-              </a:rPr>
-              <a:t>Step </a:t>
-            </a:r>
-            <a:r>
               <a:rPr lang="en-US" altLang="ko-KR" sz="1800" b="1" dirty="0">
                 <a:latin typeface="Century Gothic" panose="020B0502020202020204" pitchFamily="34" charset="0"/>
               </a:rPr>
-              <a:t>1</a:t>
+              <a:t>Step 1</a:t>
             </a:r>
             <a:r>
               <a:rPr lang="en-US" altLang="ko-KR" sz="1800" dirty="0">
                 <a:latin typeface="Century Gothic" panose="020B0502020202020204" pitchFamily="34" charset="0"/>
               </a:rPr>
-              <a:t>: </a:t>
-            </a:r>
-            <a:r>
-              <a:rPr lang="en-US" altLang="ko-KR" sz="1800" dirty="0" smtClean="0">
-                <a:latin typeface="Century Gothic" panose="020B0502020202020204" pitchFamily="34" charset="0"/>
-              </a:rPr>
-              <a:t>If </a:t>
-            </a:r>
-            <a:r>
-              <a:rPr lang="en-US" altLang="ko-KR" sz="1800" dirty="0">
-                <a:latin typeface="Century Gothic" panose="020B0502020202020204" pitchFamily="34" charset="0"/>
-              </a:rPr>
-              <a:t>the tree is empty, </a:t>
-            </a:r>
-            <a:r>
-              <a:rPr lang="en-US" altLang="ko-KR" sz="1800" dirty="0" smtClean="0">
-                <a:latin typeface="Century Gothic" panose="020B0502020202020204" pitchFamily="34" charset="0"/>
-              </a:rPr>
-              <a:t>return a new node(k).</a:t>
+              <a:t>: If the tree is empty, return a new node(k).</a:t>
             </a:r>
           </a:p>
           <a:p>
@@ -2604,34 +2525,16 @@
               <a:buChar char="•"/>
             </a:pPr>
             <a:r>
-              <a:rPr lang="en-US" altLang="ko-KR" sz="1800" b="1" dirty="0" smtClean="0">
-                <a:latin typeface="Century Gothic" panose="020B0502020202020204" pitchFamily="34" charset="0"/>
-              </a:rPr>
-              <a:t>Step </a:t>
-            </a:r>
-            <a:r>
               <a:rPr lang="en-US" altLang="ko-KR" sz="1800" b="1" dirty="0">
                 <a:latin typeface="Century Gothic" panose="020B0502020202020204" pitchFamily="34" charset="0"/>
               </a:rPr>
-              <a:t>2</a:t>
+              <a:t>Step 2</a:t>
             </a:r>
             <a:r>
               <a:rPr lang="en-US" altLang="ko-KR" sz="1800" dirty="0">
                 <a:latin typeface="Century Gothic" panose="020B0502020202020204" pitchFamily="34" charset="0"/>
               </a:rPr>
-              <a:t>: </a:t>
-            </a:r>
-            <a:r>
-              <a:rPr lang="en-US" altLang="ko-KR" sz="1800" dirty="0" smtClean="0">
-                <a:latin typeface="Century Gothic" panose="020B0502020202020204" pitchFamily="34" charset="0"/>
-              </a:rPr>
-              <a:t>Pretending to search </a:t>
-            </a:r>
-            <a:r>
-              <a:rPr lang="en-US" altLang="ko-KR" sz="1800" dirty="0">
-                <a:latin typeface="Century Gothic" panose="020B0502020202020204" pitchFamily="34" charset="0"/>
-              </a:rPr>
-              <a:t>for k in BST, </a:t>
+              <a:t>: Pretending to search for k in BST, </a:t>
             </a:r>
             <a:br>
               <a:rPr lang="en-US" altLang="ko-KR" sz="1800" dirty="0">
@@ -2642,13 +2545,7 @@
               <a:rPr lang="en-US" altLang="ko-KR" sz="1800" dirty="0">
                 <a:latin typeface="Century Gothic" panose="020B0502020202020204" pitchFamily="34" charset="0"/>
               </a:rPr>
-              <a:t>until </a:t>
-            </a:r>
-            <a:r>
-              <a:rPr lang="en-US" altLang="ko-KR" sz="1800" dirty="0" smtClean="0">
-                <a:latin typeface="Century Gothic" panose="020B0502020202020204" pitchFamily="34" charset="0"/>
-              </a:rPr>
-              <a:t>locating a nullptr.</a:t>
+              <a:t>until locating a nullptr.</a:t>
             </a:r>
           </a:p>
           <a:p>
@@ -2657,28 +2554,16 @@
               <a:buChar char="•"/>
             </a:pPr>
             <a:r>
-              <a:rPr lang="en-US" altLang="ko-KR" sz="1800" b="1" dirty="0" smtClean="0">
-                <a:latin typeface="Century Gothic" panose="020B0502020202020204" pitchFamily="34" charset="0"/>
-              </a:rPr>
-              <a:t>Step </a:t>
-            </a:r>
-            <a:r>
               <a:rPr lang="en-US" altLang="ko-KR" sz="1800" b="1" dirty="0">
                 <a:latin typeface="Century Gothic" panose="020B0502020202020204" pitchFamily="34" charset="0"/>
               </a:rPr>
-              <a:t>3</a:t>
+              <a:t>Step 3</a:t>
             </a:r>
             <a:r>
               <a:rPr lang="en-US" altLang="ko-KR" sz="1800" dirty="0">
                 <a:latin typeface="Century Gothic" panose="020B0502020202020204" pitchFamily="34" charset="0"/>
               </a:rPr>
-              <a:t>: </a:t>
-            </a:r>
-            <a:r>
-              <a:rPr lang="en-US" altLang="ko-KR" sz="1800" dirty="0" smtClean="0">
-                <a:latin typeface="Century Gothic" panose="020B0502020202020204" pitchFamily="34" charset="0"/>
-              </a:rPr>
-              <a:t>create a new node(k) and link it.</a:t>
+              <a:t>: create a new node(k) and link it.</a:t>
             </a:r>
           </a:p>
           <a:p>
@@ -2700,7 +2585,7 @@
               <a:buFont typeface="Arial" panose="020B0604020202020204" pitchFamily="34" charset="0"/>
               <a:buChar char="•"/>
             </a:pPr>
-            <a:endParaRPr lang="en-US" altLang="ko-KR" sz="1800" dirty="0" smtClean="0">
+            <a:endParaRPr lang="en-US" altLang="ko-KR" sz="1800" dirty="0">
               <a:solidFill>
                 <a:schemeClr val="accent2">
                   <a:lumMod val="50000"/>
@@ -2725,7 +2610,7 @@
           </a:p>
           <a:p>
             <a:r>
-              <a:rPr lang="en-US" altLang="ko-KR" sz="1800" dirty="0" smtClean="0">
+              <a:rPr lang="en-US" altLang="ko-KR" sz="1800" dirty="0">
                 <a:solidFill>
                   <a:srgbClr val="C00000"/>
                 </a:solidFill>
@@ -2734,66 +2619,146 @@
               <a:t>Q1: </a:t>
             </a:r>
             <a:r>
-              <a:rPr lang="en-US" altLang="ko-KR" sz="1800" dirty="0" smtClean="0">
-                <a:latin typeface="Century Gothic" panose="020B0502020202020204" pitchFamily="34" charset="0"/>
-              </a:rPr>
-              <a:t>Explain the differences </a:t>
-            </a:r>
-            <a:r>
               <a:rPr lang="en-US" altLang="ko-KR" sz="1800" dirty="0">
                 <a:latin typeface="Century Gothic" panose="020B0502020202020204" pitchFamily="34" charset="0"/>
               </a:rPr>
-              <a:t>between </a:t>
-            </a:r>
-            <a:r>
-              <a:rPr lang="en-US" altLang="ko-KR" sz="1800" dirty="0" smtClean="0">
-                <a:latin typeface="Century Gothic" panose="020B0502020202020204" pitchFamily="34" charset="0"/>
-              </a:rPr>
-              <a:t>the </a:t>
-            </a:r>
+              <a:t>Explain the differences between the binary tree and binary search tree in this operation. </a:t>
+            </a:r>
+          </a:p>
+          <a:p>
+            <a:pPr marL="0" indent="0">
+              <a:buNone/>
+            </a:pPr>
             <a:r>
               <a:rPr lang="en-US" altLang="ko-KR" sz="1800" dirty="0">
                 <a:latin typeface="Century Gothic" panose="020B0502020202020204" pitchFamily="34" charset="0"/>
               </a:rPr>
-              <a:t>binary tree </a:t>
-            </a:r>
-            <a:r>
-              <a:rPr lang="en-US" altLang="ko-KR" sz="1800" dirty="0" smtClean="0">
-                <a:latin typeface="Century Gothic" panose="020B0502020202020204" pitchFamily="34" charset="0"/>
-              </a:rPr>
-              <a:t>and </a:t>
+              <a:t>binary tree</a:t>
+            </a:r>
+            <a:r>
+              <a:rPr lang="ko-KR" altLang="en-US" sz="1800" dirty="0">
+                <a:latin typeface="Century Gothic" panose="020B0502020202020204" pitchFamily="34" charset="0"/>
+              </a:rPr>
+              <a:t>는 </a:t>
             </a:r>
             <a:r>
               <a:rPr lang="en-US" altLang="ko-KR" sz="1800" dirty="0">
                 <a:latin typeface="Century Gothic" panose="020B0502020202020204" pitchFamily="34" charset="0"/>
               </a:rPr>
-              <a:t>binary search tree in this </a:t>
-            </a:r>
-            <a:r>
-              <a:rPr lang="en-US" altLang="ko-KR" sz="1800" dirty="0" smtClean="0">
-                <a:latin typeface="Century Gothic" panose="020B0502020202020204" pitchFamily="34" charset="0"/>
-              </a:rPr>
-              <a:t>operation</a:t>
+              <a:t>tree</a:t>
+            </a:r>
+            <a:r>
+              <a:rPr lang="ko-KR" altLang="en-US" sz="1800" dirty="0">
+                <a:latin typeface="Century Gothic" panose="020B0502020202020204" pitchFamily="34" charset="0"/>
+              </a:rPr>
+              <a:t> 전체를 확인하지만</a:t>
             </a:r>
             <a:r>
               <a:rPr lang="en-US" altLang="ko-KR" sz="1800" dirty="0">
                 <a:latin typeface="Century Gothic" panose="020B0502020202020204" pitchFamily="34" charset="0"/>
               </a:rPr>
+              <a:t>,</a:t>
+            </a:r>
+            <a:r>
+              <a:rPr lang="ko-KR" altLang="en-US" sz="1800" dirty="0">
+                <a:latin typeface="Century Gothic" panose="020B0502020202020204" pitchFamily="34" charset="0"/>
+              </a:rPr>
+              <a:t> </a:t>
+            </a:r>
+            <a:r>
+              <a:rPr lang="en-US" altLang="ko-KR" sz="1800" dirty="0">
+                <a:latin typeface="Century Gothic" panose="020B0502020202020204" pitchFamily="34" charset="0"/>
+              </a:rPr>
+              <a:t>binary search</a:t>
+            </a:r>
+            <a:r>
+              <a:rPr lang="ko-KR" altLang="en-US" sz="1800" dirty="0">
+                <a:latin typeface="Century Gothic" panose="020B0502020202020204" pitchFamily="34" charset="0"/>
+              </a:rPr>
+              <a:t> </a:t>
+            </a:r>
+            <a:r>
+              <a:rPr lang="en-US" altLang="ko-KR" sz="1800" dirty="0">
+                <a:latin typeface="Century Gothic" panose="020B0502020202020204" pitchFamily="34" charset="0"/>
+              </a:rPr>
+              <a:t>tree</a:t>
+            </a:r>
+            <a:r>
+              <a:rPr lang="ko-KR" altLang="en-US" sz="1800" dirty="0">
+                <a:latin typeface="Century Gothic" panose="020B0502020202020204" pitchFamily="34" charset="0"/>
+              </a:rPr>
+              <a:t>는 </a:t>
+            </a:r>
+            <a:r>
+              <a:rPr lang="en-US" altLang="ko-KR" sz="1800" dirty="0">
+                <a:latin typeface="Century Gothic" panose="020B0502020202020204" pitchFamily="34" charset="0"/>
+              </a:rPr>
+              <a:t>key r</a:t>
+            </a:r>
+            <a:r>
+              <a:rPr lang="ko-KR" altLang="en-US" sz="1800" dirty="0">
+                <a:latin typeface="Century Gothic" panose="020B0502020202020204" pitchFamily="34" charset="0"/>
+              </a:rPr>
+              <a:t>값에 들어간 값을 </a:t>
+            </a:r>
+            <a:r>
+              <a:rPr lang="en-US" altLang="ko-KR" sz="1800" dirty="0">
+                <a:latin typeface="Century Gothic" panose="020B0502020202020204" pitchFamily="34" charset="0"/>
+              </a:rPr>
+              <a:t>node</a:t>
+            </a:r>
+            <a:r>
+              <a:rPr lang="ko-KR" altLang="en-US" sz="1800" dirty="0">
+                <a:latin typeface="Century Gothic" panose="020B0502020202020204" pitchFamily="34" charset="0"/>
+              </a:rPr>
+              <a:t>와 비교해 불필요한 함수 호출을 방지한다</a:t>
+            </a:r>
+            <a:r>
+              <a:rPr lang="en-US" altLang="ko-KR" sz="1800" dirty="0">
+                <a:latin typeface="Century Gothic" panose="020B0502020202020204" pitchFamily="34" charset="0"/>
+              </a:rPr>
               <a:t>.</a:t>
             </a:r>
             <a:r>
-              <a:rPr lang="en-US" altLang="ko-KR" sz="1800" dirty="0" smtClean="0">
-                <a:latin typeface="Century Gothic" panose="020B0502020202020204" pitchFamily="34" charset="0"/>
-              </a:rPr>
-              <a:t> </a:t>
-            </a:r>
-            <a:endParaRPr lang="en-US" altLang="ko-KR" sz="1800" dirty="0" smtClean="0">
-              <a:latin typeface="Century Gothic" panose="020B0502020202020204" pitchFamily="34" charset="0"/>
-            </a:endParaRPr>
-          </a:p>
-          <a:p>
-            <a:r>
-              <a:rPr lang="en-US" altLang="ko-KR" sz="1800" dirty="0" smtClean="0">
+              <a:rPr lang="ko-KR" altLang="en-US" sz="1800" dirty="0">
+                <a:latin typeface="Century Gothic" panose="020B0502020202020204" pitchFamily="34" charset="0"/>
+              </a:rPr>
+              <a:t>  이 계산에서는 </a:t>
+            </a:r>
+            <a:r>
+              <a:rPr lang="en-US" altLang="ko-KR" sz="1800" dirty="0">
+                <a:latin typeface="Century Gothic" panose="020B0502020202020204" pitchFamily="34" charset="0"/>
+              </a:rPr>
+              <a:t>key</a:t>
+            </a:r>
+            <a:r>
+              <a:rPr lang="ko-KR" altLang="en-US" sz="1800" dirty="0">
+                <a:latin typeface="Century Gothic" panose="020B0502020202020204" pitchFamily="34" charset="0"/>
+              </a:rPr>
+              <a:t> 값이 더 작다면 왼쪽으로</a:t>
+            </a:r>
+            <a:r>
+              <a:rPr lang="en-US" altLang="ko-KR" sz="1800" dirty="0">
+                <a:latin typeface="Century Gothic" panose="020B0502020202020204" pitchFamily="34" charset="0"/>
+              </a:rPr>
+              <a:t>,</a:t>
+            </a:r>
+            <a:r>
+              <a:rPr lang="ko-KR" altLang="en-US" sz="1800" dirty="0">
+                <a:latin typeface="Century Gothic" panose="020B0502020202020204" pitchFamily="34" charset="0"/>
+              </a:rPr>
+              <a:t> 더 크다면 오른쪽으로 이동한다</a:t>
+            </a:r>
+            <a:r>
+              <a:rPr lang="en-US" altLang="ko-KR" sz="1800" dirty="0">
+                <a:latin typeface="Century Gothic" panose="020B0502020202020204" pitchFamily="34" charset="0"/>
+              </a:rPr>
+              <a:t>.</a:t>
+            </a:r>
+          </a:p>
+          <a:p>
+            <a:r>
+              <a:rPr lang="en-US" altLang="ko-KR" sz="1800" dirty="0">
                 <a:solidFill>
                   <a:srgbClr val="C00000"/>
                 </a:solidFill>
@@ -2802,39 +2767,50 @@
               <a:t>Q2:</a:t>
             </a:r>
             <a:r>
-              <a:rPr lang="en-US" altLang="ko-KR" sz="1800" dirty="0" smtClean="0">
+              <a:rPr lang="en-US" altLang="ko-KR" sz="1800" dirty="0">
                 <a:latin typeface="Century Gothic" panose="020B0502020202020204" pitchFamily="34" charset="0"/>
               </a:rPr>
               <a:t> To complete inserting </a:t>
             </a:r>
             <a:r>
-              <a:rPr lang="en-US" altLang="ko-KR" sz="1800" b="1" dirty="0" smtClean="0">
+              <a:rPr lang="en-US" altLang="ko-KR" sz="1800" b="1" dirty="0">
                 <a:latin typeface="Century Gothic" panose="020B0502020202020204" pitchFamily="34" charset="0"/>
               </a:rPr>
               <a:t>7</a:t>
             </a:r>
             <a:r>
-              <a:rPr lang="en-US" altLang="ko-KR" sz="1800" dirty="0" smtClean="0">
+              <a:rPr lang="en-US" altLang="ko-KR" sz="1800" dirty="0">
                 <a:latin typeface="Century Gothic" panose="020B0502020202020204" pitchFamily="34" charset="0"/>
               </a:rPr>
               <a:t>, how many times was </a:t>
             </a:r>
             <a:r>
-              <a:rPr lang="en-US" altLang="ko-KR" sz="1800" b="1" dirty="0" smtClean="0">
+              <a:rPr lang="en-US" altLang="ko-KR" sz="1800" b="1" dirty="0">
                 <a:latin typeface="Consolas" panose="020B0609020204030204" pitchFamily="49" charset="0"/>
               </a:rPr>
               <a:t>grow() </a:t>
             </a:r>
             <a:r>
-              <a:rPr lang="en-US" altLang="ko-KR" sz="1800" dirty="0" smtClean="0">
+              <a:rPr lang="en-US" altLang="ko-KR" sz="1800" dirty="0">
                 <a:latin typeface="Century Gothic" panose="020B0502020202020204" pitchFamily="34" charset="0"/>
               </a:rPr>
               <a:t>called?</a:t>
             </a:r>
           </a:p>
           <a:p>
-            <a:r>
-              <a:rPr lang="en-US" altLang="ko-KR" sz="1800" dirty="0" smtClean="0">
+            <a:pPr marL="0" indent="0">
+              <a:buNone/>
+            </a:pPr>
+            <a:r>
+              <a:rPr lang="en-US" altLang="ko-KR" sz="1800" dirty="0">
+                <a:latin typeface="Century Gothic" panose="020B0502020202020204" pitchFamily="34" charset="0"/>
+              </a:rPr>
+              <a:t>3</a:t>
+            </a:r>
+          </a:p>
+          <a:p>
+            <a:r>
+              <a:rPr lang="en-US" altLang="ko-KR" sz="1800" dirty="0">
                 <a:solidFill>
                   <a:srgbClr val="C00000"/>
                 </a:solidFill>
@@ -2843,7 +2819,7 @@
               <a:t>Q3:</a:t>
             </a:r>
             <a:r>
-              <a:rPr lang="en-US" altLang="ko-KR" sz="1800" dirty="0" smtClean="0">
+              <a:rPr lang="en-US" altLang="ko-KR" sz="1800" dirty="0">
                 <a:solidFill>
                   <a:schemeClr val="accent2">
                     <a:lumMod val="50000"/>
@@ -2854,7 +2830,7 @@
               <a:t> How many times " </a:t>
             </a:r>
             <a:r>
-              <a:rPr lang="en-US" altLang="ko-KR" sz="1800" b="1" dirty="0" smtClean="0">
+              <a:rPr lang="en-US" altLang="ko-KR" sz="1800" b="1" dirty="0">
                 <a:solidFill>
                   <a:schemeClr val="accent2">
                     <a:lumMod val="50000"/>
@@ -2865,7 +2841,7 @@
               <a:t>if (key &lt; node-&gt;key)</a:t>
             </a:r>
             <a:r>
-              <a:rPr lang="en-US" altLang="ko-KR" sz="1800" dirty="0" smtClean="0">
+              <a:rPr lang="en-US" altLang="ko-KR" sz="1800" dirty="0">
                 <a:solidFill>
                   <a:schemeClr val="accent2">
                     <a:lumMod val="50000"/>
@@ -2873,10 +2849,10 @@
                 </a:solidFill>
                 <a:latin typeface="Century Gothic" panose="020B0502020202020204" pitchFamily="34" charset="0"/>
               </a:rPr>
-              <a:t>" called during this </a:t>
-            </a:r>
-            <a:r>
-              <a:rPr lang="en-US" altLang="ko-KR" sz="1800" dirty="0" smtClean="0">
+              <a:t>" called during this process or</a:t>
+            </a:r>
+            <a:r>
+              <a:rPr lang="ko-KR" altLang="en-US" sz="1800" dirty="0">
                 <a:solidFill>
                   <a:schemeClr val="accent2">
                     <a:lumMod val="50000"/>
@@ -2884,10 +2860,10 @@
                 </a:solidFill>
                 <a:latin typeface="Century Gothic" panose="020B0502020202020204" pitchFamily="34" charset="0"/>
               </a:rPr>
-              <a:t>process or</a:t>
-            </a:r>
-            <a:r>
-              <a:rPr lang="ko-KR" altLang="en-US" sz="1800" dirty="0">
+              <a:t> </a:t>
+            </a:r>
+            <a:r>
+              <a:rPr lang="en-US" altLang="ko-KR" sz="1800" dirty="0">
                 <a:solidFill>
                   <a:schemeClr val="accent2">
                     <a:lumMod val="50000"/>
@@ -2895,10 +2871,15 @@
                 </a:solidFill>
                 <a:latin typeface="Century Gothic" panose="020B0502020202020204" pitchFamily="34" charset="0"/>
               </a:rPr>
-              <a:t> </a:t>
-            </a:r>
-            <a:r>
-              <a:rPr lang="en-US" altLang="ko-KR" sz="1800" dirty="0" smtClean="0">
+              <a:t>inserting 7?</a:t>
+            </a:r>
+          </a:p>
+          <a:p>
+            <a:pPr marL="0" indent="0">
+              <a:buNone/>
+            </a:pPr>
+            <a:r>
+              <a:rPr lang="en-US" altLang="ko-KR" sz="1800" dirty="0">
                 <a:solidFill>
                   <a:schemeClr val="accent2">
                     <a:lumMod val="50000"/>
@@ -2906,10 +2887,21 @@
                 </a:solidFill>
                 <a:latin typeface="Century Gothic" panose="020B0502020202020204" pitchFamily="34" charset="0"/>
               </a:rPr>
-              <a:t>inserting 7</a:t>
-            </a:r>
-            <a:r>
-              <a:rPr lang="en-US" altLang="ko-KR" sz="1800" dirty="0" smtClean="0">
+              <a:t>1</a:t>
+            </a:r>
+          </a:p>
+          <a:p>
+            <a:r>
+              <a:rPr lang="en-US" altLang="ko-KR" sz="1800" dirty="0">
+                <a:solidFill>
+                  <a:srgbClr val="C00000"/>
+                </a:solidFill>
+                <a:latin typeface="Century Gothic" panose="020B0502020202020204" pitchFamily="34" charset="0"/>
+              </a:rPr>
+              <a:t>Q4:</a:t>
+            </a:r>
+            <a:r>
+              <a:rPr lang="en-US" altLang="ko-KR" sz="1800" dirty="0">
                 <a:solidFill>
                   <a:schemeClr val="accent2">
                     <a:lumMod val="50000"/>
@@ -2917,51 +2909,37 @@
                 </a:solidFill>
                 <a:latin typeface="Century Gothic" panose="020B0502020202020204" pitchFamily="34" charset="0"/>
               </a:rPr>
-              <a:t>?</a:t>
-            </a:r>
-            <a:endParaRPr lang="en-US" altLang="ko-KR" sz="1800" dirty="0" smtClean="0">
-              <a:solidFill>
-                <a:schemeClr val="accent2">
-                  <a:lumMod val="50000"/>
-                </a:schemeClr>
-              </a:solidFill>
-              <a:latin typeface="Century Gothic" panose="020B0502020202020204" pitchFamily="34" charset="0"/>
-            </a:endParaRPr>
-          </a:p>
-          <a:p>
-            <a:r>
-              <a:rPr lang="en-US" altLang="ko-KR" sz="1800" dirty="0" smtClean="0">
-                <a:solidFill>
-                  <a:srgbClr val="C00000"/>
-                </a:solidFill>
-                <a:latin typeface="Century Gothic" panose="020B0502020202020204" pitchFamily="34" charset="0"/>
-              </a:rPr>
-              <a:t>Q4:</a:t>
-            </a:r>
-            <a:r>
-              <a:rPr lang="en-US" altLang="ko-KR" sz="1800" dirty="0" smtClean="0">
+              <a:t> At the end of this whole process, which </a:t>
+            </a:r>
+            <a:r>
+              <a:rPr lang="en-US" altLang="ko-KR" sz="1800" b="1" dirty="0">
                 <a:solidFill>
                   <a:schemeClr val="accent2">
                     <a:lumMod val="50000"/>
                   </a:schemeClr>
                 </a:solidFill>
-                <a:latin typeface="Century Gothic" panose="020B0502020202020204" pitchFamily="34" charset="0"/>
-              </a:rPr>
-              <a:t> At the end of this whole process, which </a:t>
-            </a:r>
-            <a:r>
-              <a:rPr lang="en-US" altLang="ko-KR" sz="1800" b="1" dirty="0" smtClean="0">
+                <a:latin typeface="Consolas" panose="020B0609020204030204" pitchFamily="49" charset="0"/>
+              </a:rPr>
+              <a:t>return</a:t>
+            </a:r>
+            <a:r>
+              <a:rPr lang="en-US" altLang="ko-KR" sz="1800" dirty="0">
                 <a:solidFill>
                   <a:schemeClr val="accent2">
                     <a:lumMod val="50000"/>
                   </a:schemeClr>
                 </a:solidFill>
-                <a:latin typeface="Consolas" panose="020B0609020204030204" pitchFamily="49" charset="0"/>
-              </a:rPr>
-              <a:t>return</a:t>
-            </a:r>
-            <a:r>
-              <a:rPr lang="en-US" altLang="ko-KR" sz="1800" dirty="0" smtClean="0">
+                <a:latin typeface="Century Gothic" panose="020B0502020202020204" pitchFamily="34" charset="0"/>
+              </a:rPr>
+              <a:t> will be executed and what is the key value of the node?  </a:t>
+            </a:r>
+          </a:p>
+          <a:p>
+            <a:pPr marL="0" indent="0">
+              <a:buNone/>
+            </a:pPr>
+            <a:r>
+              <a:rPr lang="en-US" altLang="ko-KR" sz="1800" dirty="0">
                 <a:solidFill>
                   <a:schemeClr val="accent2">
                     <a:lumMod val="50000"/>
@@ -2969,7 +2947,7 @@
                 </a:solidFill>
                 <a:latin typeface="Century Gothic" panose="020B0502020202020204" pitchFamily="34" charset="0"/>
               </a:rPr>
-              <a:t> will be executed and what is the key value of the node?  </a:t>
+              <a:t>new tree(key), 7</a:t>
             </a:r>
           </a:p>
           <a:p>
@@ -2991,7 +2969,7 @@
               <a:buFont typeface="Arial" panose="020B0604020202020204" pitchFamily="34" charset="0"/>
               <a:buChar char="•"/>
             </a:pPr>
-            <a:endParaRPr lang="en-US" altLang="ko-KR" sz="1800" dirty="0" smtClean="0">
+            <a:endParaRPr lang="en-US" altLang="ko-KR" sz="1800" dirty="0">
               <a:solidFill>
                 <a:schemeClr val="accent2">
                   <a:lumMod val="50000"/>
@@ -3019,7 +2997,7 @@
               <a:buFont typeface="Arial" panose="020B0604020202020204" pitchFamily="34" charset="0"/>
               <a:buChar char="•"/>
             </a:pPr>
-            <a:endParaRPr lang="en-US" altLang="ko-KR" sz="1800" dirty="0" smtClean="0">
+            <a:endParaRPr lang="en-US" altLang="ko-KR" sz="1800" dirty="0">
               <a:solidFill>
                 <a:schemeClr val="accent2">
                   <a:lumMod val="50000"/>
@@ -3047,21 +3025,7 @@
               <a:buFont typeface="Arial" panose="020B0604020202020204" pitchFamily="34" charset="0"/>
               <a:buChar char="•"/>
             </a:pPr>
-            <a:endParaRPr lang="en-US" altLang="ko-KR" sz="1800" dirty="0" smtClean="0">
-              <a:solidFill>
-                <a:schemeClr val="accent2">
-                  <a:lumMod val="50000"/>
-                </a:schemeClr>
-              </a:solidFill>
-              <a:latin typeface="Century Gothic" panose="020B0502020202020204" pitchFamily="34" charset="0"/>
-            </a:endParaRPr>
-          </a:p>
-          <a:p>
-            <a:pPr marL="285750" indent="-285750">
-              <a:buFont typeface="Arial" panose="020B0604020202020204" pitchFamily="34" charset="0"/>
-              <a:buChar char="•"/>
-            </a:pPr>
-            <a:endParaRPr lang="en-US" altLang="ko-KR" sz="1800" dirty="0" smtClean="0">
+            <a:endParaRPr lang="en-US" altLang="ko-KR" sz="1800" dirty="0">
               <a:solidFill>
                 <a:schemeClr val="accent2">
                   <a:lumMod val="50000"/>
@@ -3140,16 +3104,83 @@
             <p:ph type="title"/>
           </p:nvPr>
         </p:nvSpPr>
-        <p:spPr/>
+        <p:spPr>
+          <a:xfrm>
+            <a:off x="527052" y="196267"/>
+            <a:ext cx="11137896" cy="457196"/>
+          </a:xfrm>
+        </p:spPr>
         <p:txBody>
           <a:bodyPr/>
           <a:lstStyle/>
           <a:p>
             <a:r>
-              <a:rPr lang="en-US" altLang="ko-KR" dirty="0" smtClean="0"/>
+              <a:rPr lang="en-US" altLang="ko-KR" dirty="0"/>
               <a:t>Operations: Insert (or grow)</a:t>
             </a:r>
-            <a:endParaRPr lang="ko-KR" altLang="en-US" dirty="0"/>
+            <a:br>
+              <a:rPr lang="en-US" altLang="ko-KR" dirty="0"/>
+            </a:br>
+            <a:r>
+              <a:rPr lang="en" altLang="ko-Kore-KR" sz="1000" dirty="0">
+                <a:solidFill>
+                  <a:srgbClr val="6A9955"/>
+                </a:solidFill>
+                <a:latin typeface="D2Coding ligature" panose="020B0609020101020101" pitchFamily="49" charset="-127"/>
+                <a:ea typeface="D2Coding ligature" panose="020B0609020101020101" pitchFamily="49" charset="-127"/>
+              </a:rPr>
+              <a:t>// Honor Code : On my honor, I pledge that I have neither received nor provided improper assistance in the completion of this assignment.</a:t>
+            </a:r>
+            <a:br>
+              <a:rPr lang="en" altLang="ko-Kore-KR" sz="1000" dirty="0">
+                <a:solidFill>
+                  <a:srgbClr val="D4D4D4"/>
+                </a:solidFill>
+                <a:latin typeface="D2Coding ligature" panose="020B0609020101020101" pitchFamily="49" charset="-127"/>
+                <a:ea typeface="D2Coding ligature" panose="020B0609020101020101" pitchFamily="49" charset="-127"/>
+              </a:rPr>
+            </a:br>
+            <a:r>
+              <a:rPr lang="en" altLang="ko-Kore-KR" sz="1000" dirty="0">
+                <a:solidFill>
+                  <a:srgbClr val="6A9955"/>
+                </a:solidFill>
+                <a:latin typeface="D2Coding ligature" panose="020B0609020101020101" pitchFamily="49" charset="-127"/>
+                <a:ea typeface="D2Coding ligature" panose="020B0609020101020101" pitchFamily="49" charset="-127"/>
+              </a:rPr>
+              <a:t>// Signed: </a:t>
+            </a:r>
+            <a:r>
+              <a:rPr lang="ko-KR" altLang="en-US" sz="1000" dirty="0">
+                <a:solidFill>
+                  <a:srgbClr val="6A9955"/>
+                </a:solidFill>
+                <a:latin typeface="D2Coding ligature" panose="020B0609020101020101" pitchFamily="49" charset="-127"/>
+                <a:ea typeface="D2Coding ligature" panose="020B0609020101020101" pitchFamily="49" charset="-127"/>
+              </a:rPr>
+              <a:t>이경민</a:t>
+            </a:r>
+            <a:r>
+              <a:rPr lang="en-US" altLang="ko-KR" sz="1000" dirty="0">
+                <a:solidFill>
+                  <a:srgbClr val="6A9955"/>
+                </a:solidFill>
+                <a:latin typeface="D2Coding ligature" panose="020B0609020101020101" pitchFamily="49" charset="-127"/>
+                <a:ea typeface="D2Coding ligature" panose="020B0609020101020101" pitchFamily="49" charset="-127"/>
+              </a:rPr>
+              <a:t>, </a:t>
+            </a:r>
+            <a:r>
+              <a:rPr lang="en" altLang="ko-Kore-KR" sz="1000" dirty="0">
+                <a:solidFill>
+                  <a:srgbClr val="6A9955"/>
+                </a:solidFill>
+                <a:latin typeface="D2Coding ligature" panose="020B0609020101020101" pitchFamily="49" charset="-127"/>
+                <a:ea typeface="D2Coding ligature" panose="020B0609020101020101" pitchFamily="49" charset="-127"/>
+              </a:rPr>
+              <a:t>Student number: 22100487, Class: 02</a:t>
+            </a:r>
+            <a:endParaRPr lang="ko-KR" altLang="en-US" sz="1000" dirty="0"/>
           </a:p>
         </p:txBody>
       </p:sp>
@@ -3892,7 +3923,6 @@
             <a:tailEnd/>
           </a:ln>
           <a:effectLst/>
-          <a:extLst/>
         </p:spPr>
         <p:txBody>
           <a:bodyPr wrap="none" lIns="92075" tIns="46038" rIns="92075" bIns="46038" anchor="ctr"/>
@@ -4209,7 +4239,6 @@
             <a:tailEnd/>
           </a:ln>
           <a:effectLst/>
-          <a:extLst/>
         </p:spPr>
         <p:txBody>
           <a:bodyPr wrap="none" lIns="92075" tIns="46038" rIns="92075" bIns="46038" anchor="ctr"/>
@@ -6063,7 +6092,7 @@
           <a:p>
             <a:pPr algn="ctr"/>
             <a:r>
-              <a:rPr lang="en-US" altLang="ko-KR" sz="1200" dirty="0" smtClean="0">
+              <a:rPr lang="en-US" altLang="ko-KR" sz="1200" dirty="0">
                 <a:latin typeface="Century Gothic" panose="020B0502020202020204" pitchFamily="34" charset="0"/>
               </a:rPr>
               <a:t>Then, create a new node with 7.</a:t>
@@ -6072,7 +6101,7 @@
           <a:p>
             <a:pPr algn="ctr"/>
             <a:r>
-              <a:rPr lang="en-US" altLang="ko-KR" sz="1200" dirty="0" smtClean="0">
+              <a:rPr lang="en-US" altLang="ko-KR" sz="1200" dirty="0">
                 <a:latin typeface="Century Gothic" panose="020B0502020202020204" pitchFamily="34" charset="0"/>
               </a:rPr>
               <a:t>Link it to the right of the node 6.</a:t>
@@ -6198,16 +6227,6 @@
               </a:rPr>
               <a:t>  if (node == nullptr) </a:t>
             </a:r>
-            <a:endParaRPr lang="en-US" sz="1600" dirty="0" smtClean="0">
-              <a:solidFill>
-                <a:schemeClr val="tx1"/>
-              </a:solidFill>
-              <a:highlight>
-                <a:srgbClr val="FFFFFF"/>
-              </a:highlight>
-              <a:latin typeface="Consolas" panose="020B0609020204030204" pitchFamily="49" charset="0"/>
-              <a:cs typeface="Courier New" panose="02070309020205020404" pitchFamily="49" charset="0"/>
-            </a:endParaRPr>
           </a:p>
           <a:p>
             <a:r>
@@ -6221,10 +6240,12 @@
                 <a:latin typeface="Consolas" panose="020B0609020204030204" pitchFamily="49" charset="0"/>
                 <a:cs typeface="Courier New" panose="02070309020205020404" pitchFamily="49" charset="0"/>
               </a:rPr>
-              <a:t> </a:t>
-            </a:r>
-            <a:r>
-              <a:rPr lang="en-US" sz="1600" dirty="0" smtClean="0">
+              <a:t>    return new tree(key); </a:t>
+            </a:r>
+          </a:p>
+          <a:p>
+            <a:r>
+              <a:rPr lang="en-US" sz="1600" dirty="0">
                 <a:solidFill>
                   <a:schemeClr val="tx1"/>
                 </a:solidFill>
@@ -6234,8 +6255,10 @@
                 <a:latin typeface="Consolas" panose="020B0609020204030204" pitchFamily="49" charset="0"/>
                 <a:cs typeface="Courier New" panose="02070309020205020404" pitchFamily="49" charset="0"/>
               </a:rPr>
-              <a:t>   return </a:t>
-            </a:r>
+              <a:t>  </a:t>
+            </a:r>
+          </a:p>
+          <a:p>
             <a:r>
               <a:rPr lang="en-US" sz="1600" dirty="0">
                 <a:solidFill>
@@ -6247,10 +6270,12 @@
                 <a:latin typeface="Consolas" panose="020B0609020204030204" pitchFamily="49" charset="0"/>
                 <a:cs typeface="Courier New" panose="02070309020205020404" pitchFamily="49" charset="0"/>
               </a:rPr>
-              <a:t>new </a:t>
-            </a:r>
-            <a:r>
-              <a:rPr lang="en-US" sz="1600" dirty="0" smtClean="0">
+              <a:t>  if (key &lt; node-&gt;key) </a:t>
+            </a:r>
+          </a:p>
+          <a:p>
+            <a:r>
+              <a:rPr lang="en-US" sz="1600" dirty="0">
                 <a:solidFill>
                   <a:schemeClr val="tx1"/>
                 </a:solidFill>
@@ -6260,8 +6285,10 @@
                 <a:latin typeface="Consolas" panose="020B0609020204030204" pitchFamily="49" charset="0"/>
                 <a:cs typeface="Courier New" panose="02070309020205020404" pitchFamily="49" charset="0"/>
               </a:rPr>
-              <a:t>tree(key</a:t>
-            </a:r>
+              <a:t>    node-&gt;left = grow(node-&gt;left, key);</a:t>
+            </a:r>
+          </a:p>
+          <a:p>
             <a:r>
               <a:rPr lang="en-US" sz="1600" dirty="0">
                 <a:solidFill>
@@ -6273,7 +6300,7 @@
                 <a:latin typeface="Consolas" panose="020B0609020204030204" pitchFamily="49" charset="0"/>
                 <a:cs typeface="Courier New" panose="02070309020205020404" pitchFamily="49" charset="0"/>
               </a:rPr>
-              <a:t>); </a:t>
+              <a:t>  else if (key &gt; node-&gt;key)</a:t>
             </a:r>
           </a:p>
           <a:p>
@@ -6288,18 +6315,8 @@
                 <a:latin typeface="Consolas" panose="020B0609020204030204" pitchFamily="49" charset="0"/>
                 <a:cs typeface="Courier New" panose="02070309020205020404" pitchFamily="49" charset="0"/>
               </a:rPr>
-              <a:t>  </a:t>
-            </a:r>
-            <a:endParaRPr lang="en-US" sz="1600" dirty="0" smtClean="0">
-              <a:solidFill>
-                <a:schemeClr val="tx1"/>
-              </a:solidFill>
-              <a:highlight>
-                <a:srgbClr val="FFFFFF"/>
-              </a:highlight>
-              <a:latin typeface="Consolas" panose="020B0609020204030204" pitchFamily="49" charset="0"/>
-              <a:cs typeface="Courier New" panose="02070309020205020404" pitchFamily="49" charset="0"/>
-            </a:endParaRPr>
+              <a:t>    node-&gt;right = grow(node-&gt;right, key);</a:t>
+            </a:r>
           </a:p>
           <a:p>
             <a:r>
@@ -6313,183 +6330,12 @@
                 <a:latin typeface="Consolas" panose="020B0609020204030204" pitchFamily="49" charset="0"/>
                 <a:cs typeface="Courier New" panose="02070309020205020404" pitchFamily="49" charset="0"/>
               </a:rPr>
-              <a:t> </a:t>
-            </a:r>
-            <a:r>
-              <a:rPr lang="en-US" sz="1600" dirty="0" smtClean="0">
-                <a:solidFill>
-                  <a:schemeClr val="tx1"/>
-                </a:solidFill>
-                <a:highlight>
-                  <a:srgbClr val="FFFFFF"/>
-                </a:highlight>
-                <a:latin typeface="Consolas" panose="020B0609020204030204" pitchFamily="49" charset="0"/>
-                <a:cs typeface="Courier New" panose="02070309020205020404" pitchFamily="49" charset="0"/>
-              </a:rPr>
-              <a:t> if </a:t>
-            </a:r>
+              <a:t>  return node;</a:t>
+            </a:r>
+          </a:p>
+          <a:p>
             <a:r>
               <a:rPr lang="en-US" sz="1600" dirty="0">
-                <a:solidFill>
-                  <a:schemeClr val="tx1"/>
-                </a:solidFill>
-                <a:highlight>
-                  <a:srgbClr val="FFFFFF"/>
-                </a:highlight>
-                <a:latin typeface="Consolas" panose="020B0609020204030204" pitchFamily="49" charset="0"/>
-                <a:cs typeface="Courier New" panose="02070309020205020404" pitchFamily="49" charset="0"/>
-              </a:rPr>
-              <a:t>(key &lt; node-&gt;key) </a:t>
-            </a:r>
-            <a:endParaRPr lang="en-US" sz="1600" dirty="0" smtClean="0">
-              <a:solidFill>
-                <a:schemeClr val="tx1"/>
-              </a:solidFill>
-              <a:highlight>
-                <a:srgbClr val="FFFFFF"/>
-              </a:highlight>
-              <a:latin typeface="Consolas" panose="020B0609020204030204" pitchFamily="49" charset="0"/>
-              <a:cs typeface="Courier New" panose="02070309020205020404" pitchFamily="49" charset="0"/>
-            </a:endParaRPr>
-          </a:p>
-          <a:p>
-            <a:r>
-              <a:rPr lang="en-US" sz="1600" dirty="0">
-                <a:solidFill>
-                  <a:schemeClr val="tx1"/>
-                </a:solidFill>
-                <a:highlight>
-                  <a:srgbClr val="FFFFFF"/>
-                </a:highlight>
-                <a:latin typeface="Consolas" panose="020B0609020204030204" pitchFamily="49" charset="0"/>
-                <a:cs typeface="Courier New" panose="02070309020205020404" pitchFamily="49" charset="0"/>
-              </a:rPr>
-              <a:t> </a:t>
-            </a:r>
-            <a:r>
-              <a:rPr lang="en-US" sz="1600" dirty="0" smtClean="0">
-                <a:solidFill>
-                  <a:schemeClr val="tx1"/>
-                </a:solidFill>
-                <a:highlight>
-                  <a:srgbClr val="FFFFFF"/>
-                </a:highlight>
-                <a:latin typeface="Consolas" panose="020B0609020204030204" pitchFamily="49" charset="0"/>
-                <a:cs typeface="Courier New" panose="02070309020205020404" pitchFamily="49" charset="0"/>
-              </a:rPr>
-              <a:t>   node-&gt;left = grow(node-</a:t>
-            </a:r>
-            <a:r>
-              <a:rPr lang="en-US" sz="1600" dirty="0">
-                <a:solidFill>
-                  <a:schemeClr val="tx1"/>
-                </a:solidFill>
-                <a:highlight>
-                  <a:srgbClr val="FFFFFF"/>
-                </a:highlight>
-                <a:latin typeface="Consolas" panose="020B0609020204030204" pitchFamily="49" charset="0"/>
-                <a:cs typeface="Courier New" panose="02070309020205020404" pitchFamily="49" charset="0"/>
-              </a:rPr>
-              <a:t>&gt;left, key);</a:t>
-            </a:r>
-          </a:p>
-          <a:p>
-            <a:r>
-              <a:rPr lang="en-US" sz="1600" dirty="0">
-                <a:solidFill>
-                  <a:schemeClr val="tx1"/>
-                </a:solidFill>
-                <a:highlight>
-                  <a:srgbClr val="FFFFFF"/>
-                </a:highlight>
-                <a:latin typeface="Consolas" panose="020B0609020204030204" pitchFamily="49" charset="0"/>
-                <a:cs typeface="Courier New" panose="02070309020205020404" pitchFamily="49" charset="0"/>
-              </a:rPr>
-              <a:t>  else if (key &gt; node-&gt;key)</a:t>
-            </a:r>
-          </a:p>
-          <a:p>
-            <a:r>
-              <a:rPr lang="en-US" sz="1600" dirty="0">
-                <a:solidFill>
-                  <a:schemeClr val="tx1"/>
-                </a:solidFill>
-                <a:highlight>
-                  <a:srgbClr val="FFFFFF"/>
-                </a:highlight>
-                <a:latin typeface="Consolas" panose="020B0609020204030204" pitchFamily="49" charset="0"/>
-                <a:cs typeface="Courier New" panose="02070309020205020404" pitchFamily="49" charset="0"/>
-              </a:rPr>
-              <a:t>    </a:t>
-            </a:r>
-            <a:r>
-              <a:rPr lang="en-US" sz="1600" dirty="0" smtClean="0">
-                <a:solidFill>
-                  <a:schemeClr val="tx1"/>
-                </a:solidFill>
-                <a:highlight>
-                  <a:srgbClr val="FFFFFF"/>
-                </a:highlight>
-                <a:latin typeface="Consolas" panose="020B0609020204030204" pitchFamily="49" charset="0"/>
-                <a:cs typeface="Courier New" panose="02070309020205020404" pitchFamily="49" charset="0"/>
-              </a:rPr>
-              <a:t>node-&gt;right = grow(node-</a:t>
-            </a:r>
-            <a:r>
-              <a:rPr lang="en-US" sz="1600" dirty="0">
-                <a:solidFill>
-                  <a:schemeClr val="tx1"/>
-                </a:solidFill>
-                <a:highlight>
-                  <a:srgbClr val="FFFFFF"/>
-                </a:highlight>
-                <a:latin typeface="Consolas" panose="020B0609020204030204" pitchFamily="49" charset="0"/>
-                <a:cs typeface="Courier New" panose="02070309020205020404" pitchFamily="49" charset="0"/>
-              </a:rPr>
-              <a:t>&gt;right, key</a:t>
-            </a:r>
-            <a:r>
-              <a:rPr lang="en-US" sz="1600" dirty="0" smtClean="0">
-                <a:solidFill>
-                  <a:schemeClr val="tx1"/>
-                </a:solidFill>
-                <a:highlight>
-                  <a:srgbClr val="FFFFFF"/>
-                </a:highlight>
-                <a:latin typeface="Consolas" panose="020B0609020204030204" pitchFamily="49" charset="0"/>
-                <a:cs typeface="Courier New" panose="02070309020205020404" pitchFamily="49" charset="0"/>
-              </a:rPr>
-              <a:t>);</a:t>
-            </a:r>
-            <a:endParaRPr lang="en-US" sz="1600" dirty="0">
-              <a:solidFill>
-                <a:schemeClr val="tx1"/>
-              </a:solidFill>
-              <a:highlight>
-                <a:srgbClr val="FFFFFF"/>
-              </a:highlight>
-              <a:latin typeface="Consolas" panose="020B0609020204030204" pitchFamily="49" charset="0"/>
-              <a:cs typeface="Courier New" panose="02070309020205020404" pitchFamily="49" charset="0"/>
-            </a:endParaRPr>
-          </a:p>
-          <a:p>
-            <a:r>
-              <a:rPr lang="en-US" sz="1600" dirty="0">
-                <a:solidFill>
-                  <a:schemeClr val="tx1"/>
-                </a:solidFill>
-                <a:highlight>
-                  <a:srgbClr val="FFFFFF"/>
-                </a:highlight>
-                <a:latin typeface="Consolas" panose="020B0609020204030204" pitchFamily="49" charset="0"/>
-                <a:cs typeface="Courier New" panose="02070309020205020404" pitchFamily="49" charset="0"/>
-              </a:rPr>
-              <a:t>  return node;</a:t>
-            </a:r>
-          </a:p>
-          <a:p>
-            <a:r>
-              <a:rPr lang="en-US" sz="1600" dirty="0" smtClean="0">
                 <a:solidFill>
                   <a:schemeClr val="tx1"/>
                 </a:solidFill>
@@ -6521,13 +6367,6 @@
   <p:clrMapOvr>
     <a:masterClrMapping/>
   </p:clrMapOvr>
-  <p:timing>
-    <p:tnLst>
-      <p:par>
-        <p:cTn id="1" dur="indefinite" restart="never" nodeType="tmRoot"/>
-      </p:par>
-    </p:tnLst>
-  </p:timing>
 </p:sld>
 </file>
 
